--- a/IoT_PPT.pptx
+++ b/IoT_PPT.pptx
@@ -5,7 +5,7 @@
     <p:sldMasterId id="2147483660" r:id="rId1"/>
   </p:sldMasterIdLst>
   <p:notesMasterIdLst>
-    <p:notesMasterId r:id="rId10"/>
+    <p:notesMasterId r:id="rId11"/>
   </p:notesMasterIdLst>
   <p:sldIdLst>
     <p:sldId id="257" r:id="rId2"/>
@@ -14,8 +14,9 @@
     <p:sldId id="271" r:id="rId5"/>
     <p:sldId id="272" r:id="rId6"/>
     <p:sldId id="273" r:id="rId7"/>
-    <p:sldId id="274" r:id="rId8"/>
-    <p:sldId id="275" r:id="rId9"/>
+    <p:sldId id="276" r:id="rId8"/>
+    <p:sldId id="274" r:id="rId9"/>
+    <p:sldId id="275" r:id="rId10"/>
   </p:sldIdLst>
   <p:sldSz cx="12192000" cy="6858000"/>
   <p:notesSz cx="6858000" cy="9144000"/>
@@ -1189,7 +1190,7 @@
           <a:p>
             <a:fld id="{B4DCED9C-8A9C-4232-9C7E-3BC62997EA9B}" type="slidenum">
               <a:rPr lang="ko-KR" altLang="en-US" smtClean="0"/>
-              <a:t>7</a:t>
+              <a:t>8</a:t>
             </a:fld>
             <a:endParaRPr lang="ko-KR" altLang="en-US"/>
           </a:p>
@@ -1285,7 +1286,7 @@
           <a:p>
             <a:fld id="{B4DCED9C-8A9C-4232-9C7E-3BC62997EA9B}" type="slidenum">
               <a:rPr lang="ko-KR" altLang="en-US" smtClean="0"/>
-              <a:t>8</a:t>
+              <a:t>9</a:t>
             </a:fld>
             <a:endParaRPr lang="ko-KR" altLang="en-US"/>
           </a:p>
@@ -10402,7 +10403,9 @@
         </p:nvSpPr>
         <p:spPr/>
         <p:txBody>
-          <a:bodyPr/>
+          <a:bodyPr>
+            <a:normAutofit/>
+          </a:bodyPr>
           <a:lstStyle/>
           <a:p>
             <a:pPr>
@@ -10468,6 +10471,16 @@
             <a:r>
               <a:rPr lang="ko-KR" altLang="en-US" sz="2400" dirty="0"/>
               <a:t>고려할 점</a:t>
+            </a:r>
+            <a:endParaRPr lang="en-US" altLang="ko-KR" sz="2400" dirty="0"/>
+          </a:p>
+          <a:p>
+            <a:pPr marL="0" indent="0">
+              <a:buNone/>
+            </a:pPr>
+            <a:r>
+              <a:rPr lang="ko-KR" altLang="en-US" sz="2400" dirty="0"/>
+              <a:t>초기 디자인</a:t>
             </a:r>
             <a:endParaRPr lang="en-US" altLang="ko-KR" sz="2400" dirty="0"/>
           </a:p>
@@ -10877,12 +10890,8 @@
               <a:buNone/>
             </a:pPr>
             <a:r>
-              <a:rPr lang="ko-KR" altLang="en-US" dirty="0" err="1"/>
-              <a:t>라즈베리파이</a:t>
-            </a:r>
-            <a:r>
               <a:rPr lang="ko-KR" altLang="en-US" dirty="0"/>
-              <a:t> </a:t>
+              <a:t>라즈베리 파이 </a:t>
             </a:r>
             <a:r>
               <a:rPr lang="en-US" altLang="ko-KR" dirty="0"/>
@@ -10927,8 +10936,8 @@
               <a:buNone/>
             </a:pPr>
             <a:r>
-              <a:rPr lang="ko-KR" altLang="en-US" dirty="0" err="1"/>
-              <a:t>라즈베리파이</a:t>
+              <a:rPr lang="ko-KR" altLang="en-US" dirty="0"/>
+              <a:t>라즈베리 파이</a:t>
             </a:r>
             <a:r>
               <a:rPr lang="en-US" altLang="ko-KR" dirty="0"/>
@@ -10936,7 +10945,19 @@
             </a:r>
             <a:r>
               <a:rPr lang="ko-KR" altLang="en-US" dirty="0"/>
-              <a:t> 서브모터</a:t>
+              <a:t> </a:t>
+            </a:r>
+            <a:r>
+              <a:rPr lang="ko-KR" altLang="en-US" dirty="0" err="1"/>
+              <a:t>서보</a:t>
+            </a:r>
+            <a:r>
+              <a:rPr lang="en-US" altLang="ko-KR" dirty="0"/>
+              <a:t>(Servo)</a:t>
+            </a:r>
+            <a:r>
+              <a:rPr lang="ko-KR" altLang="en-US" dirty="0"/>
+              <a:t>모터</a:t>
             </a:r>
             <a:r>
               <a:rPr lang="en-US" altLang="ko-KR" dirty="0"/>
@@ -10965,7 +10986,11 @@
             </a:pPr>
             <a:r>
               <a:rPr lang="ko-KR" altLang="en-US" dirty="0" err="1"/>
-              <a:t>프리셋버튼</a:t>
+              <a:t>프리셋</a:t>
+            </a:r>
+            <a:r>
+              <a:rPr lang="ko-KR" altLang="en-US" dirty="0"/>
+              <a:t> 버튼</a:t>
             </a:r>
             <a:endParaRPr lang="en-US" altLang="ko-KR" dirty="0"/>
           </a:p>
@@ -11055,7 +11080,18 @@
               <a:rPr lang="ko-KR" altLang="en-US" dirty="0"/>
               <a:t>날씨 표시</a:t>
             </a:r>
-            <a:endParaRPr lang="en-US" altLang="ko-KR" dirty="0"/>
+            <a:r>
+              <a:rPr lang="en-US" altLang="ko-KR" dirty="0"/>
+              <a:t> (</a:t>
+            </a:r>
+            <a:r>
+              <a:rPr lang="ko-KR" altLang="en-US" dirty="0"/>
+              <a:t>비가 온다면</a:t>
+            </a:r>
+            <a:r>
+              <a:rPr lang="en-US" altLang="ko-KR" dirty="0"/>
+              <a:t>?)</a:t>
+            </a:r>
           </a:p>
           <a:p>
             <a:endParaRPr lang="en-US" altLang="ko-KR" dirty="0"/>
@@ -11085,10 +11121,7 @@
               <a:rPr lang="ko-KR" altLang="en-US" dirty="0" err="1"/>
               <a:t>프리셋</a:t>
             </a:r>
-            <a:r>
-              <a:rPr lang="ko-KR" altLang="en-US" dirty="0"/>
-              <a:t> 버튼</a:t>
-            </a:r>
+            <a:endParaRPr lang="ko-KR" altLang="en-US" dirty="0"/>
           </a:p>
         </p:txBody>
       </p:sp>
@@ -11456,6 +11489,99 @@
           <p:cNvPr id="5" name="내용 개체 틀 4">
             <a:extLst>
               <a:ext uri="{FF2B5EF4-FFF2-40B4-BE49-F238E27FC236}">
+                <a16:creationId xmlns:a16="http://schemas.microsoft.com/office/drawing/2014/main" id="{533B0518-37E5-456D-8E5F-49D2A2671BE9}"/>
+              </a:ext>
+            </a:extLst>
+          </p:cNvPr>
+          <p:cNvPicPr>
+            <a:picLocks noGrp="1" noChangeAspect="1"/>
+          </p:cNvPicPr>
+          <p:nvPr>
+            <p:ph idx="1"/>
+          </p:nvPr>
+        </p:nvPicPr>
+        <p:blipFill>
+          <a:blip r:embed="rId2" cstate="print">
+            <a:extLst>
+              <a:ext uri="{28A0092B-C50C-407E-A947-70E740481C1C}">
+                <a14:useLocalDpi xmlns:a14="http://schemas.microsoft.com/office/drawing/2010/main" val="0"/>
+              </a:ext>
+            </a:extLst>
+          </a:blip>
+          <a:stretch>
+            <a:fillRect/>
+          </a:stretch>
+        </p:blipFill>
+        <p:spPr>
+          <a:xfrm>
+            <a:off x="2404010" y="1825625"/>
+            <a:ext cx="7383979" cy="4351338"/>
+          </a:xfrm>
+        </p:spPr>
+      </p:pic>
+      <p:sp>
+        <p:nvSpPr>
+          <p:cNvPr id="3" name="제목 2">
+            <a:extLst>
+              <a:ext uri="{FF2B5EF4-FFF2-40B4-BE49-F238E27FC236}">
+                <a16:creationId xmlns:a16="http://schemas.microsoft.com/office/drawing/2014/main" id="{2718C111-266F-484D-A94F-F973298F7CC7}"/>
+              </a:ext>
+            </a:extLst>
+          </p:cNvPr>
+          <p:cNvSpPr>
+            <a:spLocks noGrp="1"/>
+          </p:cNvSpPr>
+          <p:nvPr>
+            <p:ph type="title"/>
+          </p:nvPr>
+        </p:nvSpPr>
+        <p:spPr/>
+        <p:txBody>
+          <a:bodyPr/>
+          <a:lstStyle/>
+          <a:p>
+            <a:r>
+              <a:rPr lang="ko-KR" altLang="en-US" dirty="0"/>
+              <a:t>초기 디자인</a:t>
+            </a:r>
+          </a:p>
+        </p:txBody>
+      </p:sp>
+    </p:spTree>
+    <p:extLst>
+      <p:ext uri="{BB962C8B-B14F-4D97-AF65-F5344CB8AC3E}">
+        <p14:creationId xmlns:p14="http://schemas.microsoft.com/office/powerpoint/2010/main" val="4066319263"/>
+      </p:ext>
+    </p:extLst>
+  </p:cSld>
+  <p:clrMapOvr>
+    <a:masterClrMapping/>
+  </p:clrMapOvr>
+</p:sld>
+</file>
+
+<file path=ppt/slides/slide8.xml><?xml version="1.0" encoding="utf-8"?>
+<p:sld xmlns:a="http://schemas.openxmlformats.org/drawingml/2006/main" xmlns:r="http://schemas.openxmlformats.org/officeDocument/2006/relationships" xmlns:p="http://schemas.openxmlformats.org/presentationml/2006/main">
+  <p:cSld>
+    <p:spTree>
+      <p:nvGrpSpPr>
+        <p:cNvPr id="1" name=""/>
+        <p:cNvGrpSpPr/>
+        <p:nvPr/>
+      </p:nvGrpSpPr>
+      <p:grpSpPr>
+        <a:xfrm>
+          <a:off x="0" y="0"/>
+          <a:ext cx="0" cy="0"/>
+          <a:chOff x="0" y="0"/>
+          <a:chExt cx="0" cy="0"/>
+        </a:xfrm>
+      </p:grpSpPr>
+      <p:pic>
+        <p:nvPicPr>
+          <p:cNvPr id="5" name="내용 개체 틀 4">
+            <a:extLst>
+              <a:ext uri="{FF2B5EF4-FFF2-40B4-BE49-F238E27FC236}">
                 <a16:creationId xmlns:a16="http://schemas.microsoft.com/office/drawing/2014/main" id="{2604AFEC-B33B-4E81-A8AA-6907908C7692}"/>
               </a:ext>
             </a:extLst>
@@ -11528,7 +11654,7 @@
 </p:sld>
 </file>
 
-<file path=ppt/slides/slide8.xml><?xml version="1.0" encoding="utf-8"?>
+<file path=ppt/slides/slide9.xml><?xml version="1.0" encoding="utf-8"?>
 <p:sld xmlns:a="http://schemas.openxmlformats.org/drawingml/2006/main" xmlns:r="http://schemas.openxmlformats.org/officeDocument/2006/relationships" xmlns:p="http://schemas.openxmlformats.org/presentationml/2006/main">
   <p:cSld>
     <p:spTree>

--- a/IoT_PPT.pptx
+++ b/IoT_PPT.pptx
@@ -10961,7 +10961,7 @@
             </a:r>
             <a:r>
               <a:rPr lang="en-US" altLang="ko-KR" dirty="0"/>
-              <a:t>, LED 3</a:t>
+              <a:t>, LED 4</a:t>
             </a:r>
             <a:r>
               <a:rPr lang="ko-KR" altLang="en-US" dirty="0"/>
@@ -10974,23 +10974,6 @@
             <a:r>
               <a:rPr lang="ko-KR" altLang="en-US" dirty="0"/>
               <a:t>골판지 디스플레이</a:t>
-            </a:r>
-            <a:r>
-              <a:rPr lang="en-US" altLang="ko-KR" dirty="0"/>
-              <a:t>, </a:t>
-            </a:r>
-          </a:p>
-          <a:p>
-            <a:pPr marL="0" indent="0">
-              <a:buNone/>
-            </a:pPr>
-            <a:r>
-              <a:rPr lang="ko-KR" altLang="en-US" dirty="0" err="1"/>
-              <a:t>프리셋</a:t>
-            </a:r>
-            <a:r>
-              <a:rPr lang="ko-KR" altLang="en-US" dirty="0"/>
-              <a:t> 버튼</a:t>
             </a:r>
             <a:endParaRPr lang="en-US" altLang="ko-KR" dirty="0"/>
           </a:p>
@@ -11080,18 +11063,7 @@
               <a:rPr lang="ko-KR" altLang="en-US" dirty="0"/>
               <a:t>날씨 표시</a:t>
             </a:r>
-            <a:r>
-              <a:rPr lang="en-US" altLang="ko-KR" dirty="0"/>
-              <a:t> (</a:t>
-            </a:r>
-            <a:r>
-              <a:rPr lang="ko-KR" altLang="en-US" dirty="0"/>
-              <a:t>비가 온다면</a:t>
-            </a:r>
-            <a:r>
-              <a:rPr lang="en-US" altLang="ko-KR" dirty="0"/>
-              <a:t>?)</a:t>
-            </a:r>
+            <a:endParaRPr lang="en-US" altLang="ko-KR" dirty="0"/>
           </a:p>
           <a:p>
             <a:endParaRPr lang="en-US" altLang="ko-KR" dirty="0"/>
@@ -11109,19 +11081,9 @@
           <a:p>
             <a:r>
               <a:rPr lang="ko-KR" altLang="en-US" dirty="0"/>
-              <a:t>지역 변경</a:t>
+              <a:t>오늘의 비 소식</a:t>
             </a:r>
             <a:endParaRPr lang="en-US" altLang="ko-KR" dirty="0"/>
-          </a:p>
-          <a:p>
-            <a:endParaRPr lang="en-US" altLang="ko-KR" dirty="0"/>
-          </a:p>
-          <a:p>
-            <a:r>
-              <a:rPr lang="ko-KR" altLang="en-US" dirty="0" err="1"/>
-              <a:t>프리셋</a:t>
-            </a:r>
-            <a:endParaRPr lang="ko-KR" altLang="en-US" dirty="0"/>
           </a:p>
         </p:txBody>
       </p:sp>
@@ -11593,7 +11555,7 @@
             <p:ph idx="1"/>
           </p:nvPr>
         </p:nvPicPr>
-        <p:blipFill>
+        <p:blipFill rotWithShape="1">
           <a:blip r:embed="rId3">
             <a:extLst>
               <a:ext uri="{28A0092B-C50C-407E-A947-70E740481C1C}">
@@ -11601,14 +11563,13 @@
               </a:ext>
             </a:extLst>
           </a:blip>
-          <a:stretch>
-            <a:fillRect/>
-          </a:stretch>
+          <a:srcRect t="13782" r="42681" b="65585"/>
+          <a:stretch/>
         </p:blipFill>
         <p:spPr>
           <a:xfrm>
-            <a:off x="838200" y="1981078"/>
-            <a:ext cx="10515600" cy="2613037"/>
+            <a:off x="990600" y="2286000"/>
+            <a:ext cx="10515600" cy="940598"/>
           </a:xfrm>
         </p:spPr>
       </p:pic>
@@ -11641,6 +11602,41 @@
           </a:p>
         </p:txBody>
       </p:sp>
+      <p:pic>
+        <p:nvPicPr>
+          <p:cNvPr id="6" name="내용 개체 틀 4">
+            <a:extLst>
+              <a:ext uri="{FF2B5EF4-FFF2-40B4-BE49-F238E27FC236}">
+                <a16:creationId xmlns:a16="http://schemas.microsoft.com/office/drawing/2014/main" id="{0AFA3A5B-9ACC-473B-AB01-FD9F0417E23B}"/>
+              </a:ext>
+            </a:extLst>
+          </p:cNvPr>
+          <p:cNvPicPr>
+            <a:picLocks noChangeAspect="1"/>
+          </p:cNvPicPr>
+          <p:nvPr/>
+        </p:nvPicPr>
+        <p:blipFill rotWithShape="1">
+          <a:blip r:embed="rId3">
+            <a:extLst>
+              <a:ext uri="{28A0092B-C50C-407E-A947-70E740481C1C}">
+                <a14:useLocalDpi xmlns:a14="http://schemas.microsoft.com/office/drawing/2010/main" val="0"/>
+              </a:ext>
+            </a:extLst>
+          </a:blip>
+          <a:srcRect t="49271"/>
+          <a:stretch/>
+        </p:blipFill>
+        <p:spPr>
+          <a:xfrm>
+            <a:off x="990600" y="3226597"/>
+            <a:ext cx="10515600" cy="1325563"/>
+          </a:xfrm>
+          <a:prstGeom prst="rect">
+            <a:avLst/>
+          </a:prstGeom>
+        </p:spPr>
+      </p:pic>
     </p:spTree>
     <p:extLst>
       <p:ext uri="{BB962C8B-B14F-4D97-AF65-F5344CB8AC3E}">

--- a/IoT_PPT.pptx
+++ b/IoT_PPT.pptx
@@ -5,18 +5,19 @@
     <p:sldMasterId id="2147483660" r:id="rId1"/>
   </p:sldMasterIdLst>
   <p:notesMasterIdLst>
-    <p:notesMasterId r:id="rId11"/>
+    <p:notesMasterId r:id="rId12"/>
   </p:notesMasterIdLst>
   <p:sldIdLst>
     <p:sldId id="257" r:id="rId2"/>
     <p:sldId id="269" r:id="rId3"/>
     <p:sldId id="270" r:id="rId4"/>
-    <p:sldId id="271" r:id="rId5"/>
-    <p:sldId id="272" r:id="rId6"/>
-    <p:sldId id="273" r:id="rId7"/>
-    <p:sldId id="276" r:id="rId8"/>
-    <p:sldId id="274" r:id="rId9"/>
-    <p:sldId id="275" r:id="rId10"/>
+    <p:sldId id="277" r:id="rId5"/>
+    <p:sldId id="271" r:id="rId6"/>
+    <p:sldId id="272" r:id="rId7"/>
+    <p:sldId id="273" r:id="rId8"/>
+    <p:sldId id="276" r:id="rId9"/>
+    <p:sldId id="274" r:id="rId10"/>
+    <p:sldId id="275" r:id="rId11"/>
   </p:sldIdLst>
   <p:sldSz cx="12192000" cy="6858000"/>
   <p:notesSz cx="6858000" cy="9144000"/>
@@ -878,7 +879,7 @@
           <a:p>
             <a:fld id="{B4DCED9C-8A9C-4232-9C7E-3BC62997EA9B}" type="slidenum">
               <a:rPr lang="ko-KR" altLang="en-US" smtClean="0"/>
-              <a:t>4</a:t>
+              <a:t>5</a:t>
             </a:fld>
             <a:endParaRPr lang="ko-KR" altLang="en-US"/>
           </a:p>
@@ -978,7 +979,7 @@
           <a:p>
             <a:fld id="{B4DCED9C-8A9C-4232-9C7E-3BC62997EA9B}" type="slidenum">
               <a:rPr lang="ko-KR" altLang="en-US" smtClean="0"/>
-              <a:t>5</a:t>
+              <a:t>6</a:t>
             </a:fld>
             <a:endParaRPr lang="ko-KR" altLang="en-US"/>
           </a:p>
@@ -1098,7 +1099,7 @@
           <a:p>
             <a:fld id="{B4DCED9C-8A9C-4232-9C7E-3BC62997EA9B}" type="slidenum">
               <a:rPr lang="ko-KR" altLang="en-US" smtClean="0"/>
-              <a:t>6</a:t>
+              <a:t>7</a:t>
             </a:fld>
             <a:endParaRPr lang="ko-KR" altLang="en-US"/>
           </a:p>
@@ -1190,7 +1191,7 @@
           <a:p>
             <a:fld id="{B4DCED9C-8A9C-4232-9C7E-3BC62997EA9B}" type="slidenum">
               <a:rPr lang="ko-KR" altLang="en-US" smtClean="0"/>
-              <a:t>8</a:t>
+              <a:t>9</a:t>
             </a:fld>
             <a:endParaRPr lang="ko-KR" altLang="en-US"/>
           </a:p>
@@ -1286,7 +1287,7 @@
           <a:p>
             <a:fld id="{B4DCED9C-8A9C-4232-9C7E-3BC62997EA9B}" type="slidenum">
               <a:rPr lang="ko-KR" altLang="en-US" smtClean="0"/>
-              <a:t>9</a:t>
+              <a:t>10</a:t>
             </a:fld>
             <a:endParaRPr lang="ko-KR" altLang="en-US"/>
           </a:p>
@@ -10368,6 +10369,71 @@
 </p:sld>
 </file>
 
+<file path=ppt/slides/slide10.xml><?xml version="1.0" encoding="utf-8"?>
+<p:sld xmlns:a="http://schemas.openxmlformats.org/drawingml/2006/main" xmlns:r="http://schemas.openxmlformats.org/officeDocument/2006/relationships" xmlns:p="http://schemas.openxmlformats.org/presentationml/2006/main">
+  <p:cSld>
+    <p:spTree>
+      <p:nvGrpSpPr>
+        <p:cNvPr id="1" name=""/>
+        <p:cNvGrpSpPr/>
+        <p:nvPr/>
+      </p:nvGrpSpPr>
+      <p:grpSpPr>
+        <a:xfrm>
+          <a:off x="0" y="0"/>
+          <a:ext cx="0" cy="0"/>
+          <a:chOff x="0" y="0"/>
+          <a:chExt cx="0" cy="0"/>
+        </a:xfrm>
+      </p:grpSpPr>
+      <p:pic>
+        <p:nvPicPr>
+          <p:cNvPr id="5" name="내용 개체 틀 4">
+            <a:extLst>
+              <a:ext uri="{FF2B5EF4-FFF2-40B4-BE49-F238E27FC236}">
+                <a16:creationId xmlns:a16="http://schemas.microsoft.com/office/drawing/2014/main" id="{CF85978B-DBBD-4CB6-A31E-57A8FF4782B4}"/>
+              </a:ext>
+            </a:extLst>
+          </p:cNvPr>
+          <p:cNvPicPr>
+            <a:picLocks noGrp="1" noChangeAspect="1"/>
+          </p:cNvPicPr>
+          <p:nvPr>
+            <p:ph idx="1"/>
+          </p:nvPr>
+        </p:nvPicPr>
+        <p:blipFill>
+          <a:blip r:embed="rId3">
+            <a:extLst>
+              <a:ext uri="{28A0092B-C50C-407E-A947-70E740481C1C}">
+                <a14:useLocalDpi xmlns:a14="http://schemas.microsoft.com/office/drawing/2010/main" val="0"/>
+              </a:ext>
+            </a:extLst>
+          </a:blip>
+          <a:stretch>
+            <a:fillRect/>
+          </a:stretch>
+        </p:blipFill>
+        <p:spPr>
+          <a:xfrm>
+            <a:off x="3920331" y="1080908"/>
+            <a:ext cx="4351338" cy="4351338"/>
+          </a:xfrm>
+        </p:spPr>
+      </p:pic>
+    </p:spTree>
+    <p:extLst>
+      <p:ext uri="{BB962C8B-B14F-4D97-AF65-F5344CB8AC3E}">
+        <p14:creationId xmlns:p14="http://schemas.microsoft.com/office/powerpoint/2010/main" val="3134229312"/>
+      </p:ext>
+    </p:extLst>
+  </p:cSld>
+  <p:clrMapOvr>
+    <a:masterClrMapping/>
+  </p:clrMapOvr>
+</p:sld>
+</file>
+
 <file path=ppt/slides/slide2.xml><?xml version="1.0" encoding="utf-8"?>
 <p:sld xmlns:a="http://schemas.openxmlformats.org/drawingml/2006/main" xmlns:r="http://schemas.openxmlformats.org/officeDocument/2006/relationships" xmlns:p="http://schemas.openxmlformats.org/presentationml/2006/main">
   <p:cSld>
@@ -10856,6 +10922,71 @@
           <a:chExt cx="0" cy="0"/>
         </a:xfrm>
       </p:grpSpPr>
+      <p:pic>
+        <p:nvPicPr>
+          <p:cNvPr id="5" name="내용 개체 틀 4">
+            <a:extLst>
+              <a:ext uri="{FF2B5EF4-FFF2-40B4-BE49-F238E27FC236}">
+                <a16:creationId xmlns:a16="http://schemas.microsoft.com/office/drawing/2014/main" id="{533B0518-37E5-456D-8E5F-49D2A2671BE9}"/>
+              </a:ext>
+            </a:extLst>
+          </p:cNvPr>
+          <p:cNvPicPr>
+            <a:picLocks noGrp="1" noChangeAspect="1"/>
+          </p:cNvPicPr>
+          <p:nvPr>
+            <p:ph idx="1"/>
+          </p:nvPr>
+        </p:nvPicPr>
+        <p:blipFill>
+          <a:blip r:embed="rId2" cstate="print">
+            <a:extLst>
+              <a:ext uri="{28A0092B-C50C-407E-A947-70E740481C1C}">
+                <a14:useLocalDpi xmlns:a14="http://schemas.microsoft.com/office/drawing/2010/main" val="0"/>
+              </a:ext>
+            </a:extLst>
+          </a:blip>
+          <a:stretch>
+            <a:fillRect/>
+          </a:stretch>
+        </p:blipFill>
+        <p:spPr>
+          <a:xfrm>
+            <a:off x="2404010" y="1253331"/>
+            <a:ext cx="7383979" cy="4351338"/>
+          </a:xfrm>
+        </p:spPr>
+      </p:pic>
+    </p:spTree>
+    <p:extLst>
+      <p:ext uri="{BB962C8B-B14F-4D97-AF65-F5344CB8AC3E}">
+        <p14:creationId xmlns:p14="http://schemas.microsoft.com/office/powerpoint/2010/main" val="1334999996"/>
+      </p:ext>
+    </p:extLst>
+  </p:cSld>
+  <p:clrMapOvr>
+    <a:masterClrMapping/>
+  </p:clrMapOvr>
+</p:sld>
+</file>
+
+<file path=ppt/slides/slide5.xml><?xml version="1.0" encoding="utf-8"?>
+<p:sld xmlns:a="http://schemas.openxmlformats.org/drawingml/2006/main" xmlns:r="http://schemas.openxmlformats.org/officeDocument/2006/relationships" xmlns:p="http://schemas.openxmlformats.org/presentationml/2006/main">
+  <p:cSld>
+    <p:spTree>
+      <p:nvGrpSpPr>
+        <p:cNvPr id="1" name=""/>
+        <p:cNvGrpSpPr/>
+        <p:nvPr/>
+      </p:nvGrpSpPr>
+      <p:grpSpPr>
+        <a:xfrm>
+          <a:off x="0" y="0"/>
+          <a:ext cx="0" cy="0"/>
+          <a:chOff x="0" y="0"/>
+          <a:chExt cx="0" cy="0"/>
+        </a:xfrm>
+      </p:grpSpPr>
       <p:sp>
         <p:nvSpPr>
           <p:cNvPr id="2" name="내용 개체 틀 1">
@@ -11021,7 +11152,7 @@
 </p:sld>
 </file>
 
-<file path=ppt/slides/slide5.xml><?xml version="1.0" encoding="utf-8"?>
+<file path=ppt/slides/slide6.xml><?xml version="1.0" encoding="utf-8"?>
 <p:sld xmlns:a="http://schemas.openxmlformats.org/drawingml/2006/main" xmlns:r="http://schemas.openxmlformats.org/officeDocument/2006/relationships" xmlns:p="http://schemas.openxmlformats.org/presentationml/2006/main">
   <p:cSld>
     <p:spTree>
@@ -11164,7 +11295,7 @@
 </p:sld>
 </file>
 
-<file path=ppt/slides/slide6.xml><?xml version="1.0" encoding="utf-8"?>
+<file path=ppt/slides/slide7.xml><?xml version="1.0" encoding="utf-8"?>
 <p:sld xmlns:a="http://schemas.openxmlformats.org/drawingml/2006/main" xmlns:r="http://schemas.openxmlformats.org/officeDocument/2006/relationships" xmlns:p="http://schemas.openxmlformats.org/presentationml/2006/main">
   <p:cSld>
     <p:spTree>
@@ -11429,7 +11560,7 @@
 </p:sld>
 </file>
 
-<file path=ppt/slides/slide7.xml><?xml version="1.0" encoding="utf-8"?>
+<file path=ppt/slides/slide8.xml><?xml version="1.0" encoding="utf-8"?>
 <p:sld xmlns:a="http://schemas.openxmlformats.org/drawingml/2006/main" xmlns:r="http://schemas.openxmlformats.org/officeDocument/2006/relationships" xmlns:p="http://schemas.openxmlformats.org/presentationml/2006/main">
   <p:cSld>
     <p:spTree>
@@ -11522,7 +11653,7 @@
 </p:sld>
 </file>
 
-<file path=ppt/slides/slide8.xml><?xml version="1.0" encoding="utf-8"?>
+<file path=ppt/slides/slide9.xml><?xml version="1.0" encoding="utf-8"?>
 <p:sld xmlns:a="http://schemas.openxmlformats.org/drawingml/2006/main" xmlns:r="http://schemas.openxmlformats.org/officeDocument/2006/relationships" xmlns:p="http://schemas.openxmlformats.org/presentationml/2006/main">
   <p:cSld>
     <p:spTree>
@@ -11641,71 +11772,6 @@
     <p:extLst>
       <p:ext uri="{BB962C8B-B14F-4D97-AF65-F5344CB8AC3E}">
         <p14:creationId xmlns:p14="http://schemas.microsoft.com/office/powerpoint/2010/main" val="3181663010"/>
-      </p:ext>
-    </p:extLst>
-  </p:cSld>
-  <p:clrMapOvr>
-    <a:masterClrMapping/>
-  </p:clrMapOvr>
-</p:sld>
-</file>
-
-<file path=ppt/slides/slide9.xml><?xml version="1.0" encoding="utf-8"?>
-<p:sld xmlns:a="http://schemas.openxmlformats.org/drawingml/2006/main" xmlns:r="http://schemas.openxmlformats.org/officeDocument/2006/relationships" xmlns:p="http://schemas.openxmlformats.org/presentationml/2006/main">
-  <p:cSld>
-    <p:spTree>
-      <p:nvGrpSpPr>
-        <p:cNvPr id="1" name=""/>
-        <p:cNvGrpSpPr/>
-        <p:nvPr/>
-      </p:nvGrpSpPr>
-      <p:grpSpPr>
-        <a:xfrm>
-          <a:off x="0" y="0"/>
-          <a:ext cx="0" cy="0"/>
-          <a:chOff x="0" y="0"/>
-          <a:chExt cx="0" cy="0"/>
-        </a:xfrm>
-      </p:grpSpPr>
-      <p:pic>
-        <p:nvPicPr>
-          <p:cNvPr id="5" name="내용 개체 틀 4">
-            <a:extLst>
-              <a:ext uri="{FF2B5EF4-FFF2-40B4-BE49-F238E27FC236}">
-                <a16:creationId xmlns:a16="http://schemas.microsoft.com/office/drawing/2014/main" id="{CF85978B-DBBD-4CB6-A31E-57A8FF4782B4}"/>
-              </a:ext>
-            </a:extLst>
-          </p:cNvPr>
-          <p:cNvPicPr>
-            <a:picLocks noGrp="1" noChangeAspect="1"/>
-          </p:cNvPicPr>
-          <p:nvPr>
-            <p:ph idx="1"/>
-          </p:nvPr>
-        </p:nvPicPr>
-        <p:blipFill>
-          <a:blip r:embed="rId3">
-            <a:extLst>
-              <a:ext uri="{28A0092B-C50C-407E-A947-70E740481C1C}">
-                <a14:useLocalDpi xmlns:a14="http://schemas.microsoft.com/office/drawing/2010/main" val="0"/>
-              </a:ext>
-            </a:extLst>
-          </a:blip>
-          <a:stretch>
-            <a:fillRect/>
-          </a:stretch>
-        </p:blipFill>
-        <p:spPr>
-          <a:xfrm>
-            <a:off x="3920331" y="1080908"/>
-            <a:ext cx="4351338" cy="4351338"/>
-          </a:xfrm>
-        </p:spPr>
-      </p:pic>
-    </p:spTree>
-    <p:extLst>
-      <p:ext uri="{BB962C8B-B14F-4D97-AF65-F5344CB8AC3E}">
-        <p14:creationId xmlns:p14="http://schemas.microsoft.com/office/powerpoint/2010/main" val="3134229312"/>
       </p:ext>
     </p:extLst>
   </p:cSld>

--- a/IoT_PPT.pptx
+++ b/IoT_PPT.pptx
@@ -15,8 +15,8 @@
     <p:sldId id="271" r:id="rId6"/>
     <p:sldId id="272" r:id="rId7"/>
     <p:sldId id="273" r:id="rId8"/>
-    <p:sldId id="276" r:id="rId9"/>
-    <p:sldId id="274" r:id="rId10"/>
+    <p:sldId id="274" r:id="rId9"/>
+    <p:sldId id="276" r:id="rId10"/>
     <p:sldId id="275" r:id="rId11"/>
   </p:sldIdLst>
   <p:sldSz cx="12192000" cy="6858000"/>
@@ -206,7 +206,7 @@
           <a:p>
             <a:fld id="{B264737A-EB49-4E9C-A926-BCEE86F0F49D}" type="datetimeFigureOut">
               <a:rPr lang="ko-KR" altLang="en-US" smtClean="0"/>
-              <a:t>2023-04-11</a:t>
+              <a:t>2023-04-12</a:t>
             </a:fld>
             <a:endParaRPr lang="ko-KR" altLang="en-US"/>
           </a:p>
@@ -1191,7 +1191,7 @@
           <a:p>
             <a:fld id="{B4DCED9C-8A9C-4232-9C7E-3BC62997EA9B}" type="slidenum">
               <a:rPr lang="ko-KR" altLang="en-US" smtClean="0"/>
-              <a:t>9</a:t>
+              <a:t>8</a:t>
             </a:fld>
             <a:endParaRPr lang="ko-KR" altLang="en-US"/>
           </a:p>
@@ -1460,7 +1460,7 @@
                 </a:solidFill>
               </a:rPr>
               <a:pPr/>
-              <a:t>2023-04-11</a:t>
+              <a:t>2023-04-12</a:t>
             </a:fld>
             <a:endParaRPr lang="ko-KR" altLang="en-US" dirty="0">
               <a:solidFill>
@@ -1690,7 +1690,7 @@
                 </a:solidFill>
               </a:rPr>
               <a:pPr/>
-              <a:t>2023-04-11</a:t>
+              <a:t>2023-04-12</a:t>
             </a:fld>
             <a:endParaRPr lang="ko-KR" altLang="en-US" dirty="0">
               <a:solidFill>
@@ -1930,7 +1930,7 @@
                 </a:solidFill>
               </a:rPr>
               <a:pPr/>
-              <a:t>2023-04-11</a:t>
+              <a:t>2023-04-12</a:t>
             </a:fld>
             <a:endParaRPr lang="ko-KR" altLang="en-US" dirty="0">
               <a:solidFill>
@@ -4757,7 +4757,7 @@
                 </a:solidFill>
               </a:rPr>
               <a:pPr/>
-              <a:t>2023-04-11</a:t>
+              <a:t>2023-04-12</a:t>
             </a:fld>
             <a:endParaRPr lang="ko-KR" altLang="en-US" dirty="0">
               <a:solidFill>
@@ -5064,7 +5064,7 @@
                 </a:solidFill>
               </a:rPr>
               <a:pPr/>
-              <a:t>2023-04-11</a:t>
+              <a:t>2023-04-12</a:t>
             </a:fld>
             <a:endParaRPr lang="ko-KR" altLang="en-US" dirty="0">
               <a:solidFill>
@@ -5361,7 +5361,7 @@
                 </a:solidFill>
               </a:rPr>
               <a:pPr/>
-              <a:t>2023-04-11</a:t>
+              <a:t>2023-04-12</a:t>
             </a:fld>
             <a:endParaRPr lang="ko-KR" altLang="en-US" dirty="0">
               <a:solidFill>
@@ -5805,7 +5805,7 @@
                 </a:solidFill>
               </a:rPr>
               <a:pPr/>
-              <a:t>2023-04-11</a:t>
+              <a:t>2023-04-12</a:t>
             </a:fld>
             <a:endParaRPr lang="ko-KR" altLang="en-US" dirty="0">
               <a:solidFill>
@@ -5978,7 +5978,7 @@
                 </a:solidFill>
               </a:rPr>
               <a:pPr/>
-              <a:t>2023-04-11</a:t>
+              <a:t>2023-04-12</a:t>
             </a:fld>
             <a:endParaRPr lang="ko-KR" altLang="en-US" dirty="0">
               <a:solidFill>
@@ -6123,7 +6123,7 @@
                 </a:solidFill>
               </a:rPr>
               <a:pPr/>
-              <a:t>2023-04-11</a:t>
+              <a:t>2023-04-12</a:t>
             </a:fld>
             <a:endParaRPr lang="ko-KR" altLang="en-US" dirty="0">
               <a:solidFill>
@@ -6466,7 +6466,7 @@
                 </a:solidFill>
               </a:rPr>
               <a:pPr/>
-              <a:t>2023-04-11</a:t>
+              <a:t>2023-04-12</a:t>
             </a:fld>
             <a:endParaRPr lang="ko-KR" altLang="en-US" dirty="0">
               <a:solidFill>
@@ -6786,7 +6786,7 @@
                 </a:solidFill>
               </a:rPr>
               <a:pPr/>
-              <a:t>2023-04-11</a:t>
+              <a:t>2023-04-12</a:t>
             </a:fld>
             <a:endParaRPr lang="ko-KR" altLang="en-US" dirty="0">
               <a:solidFill>
@@ -7059,7 +7059,7 @@
                 </a:solidFill>
               </a:rPr>
               <a:pPr/>
-              <a:t>2023-04-11</a:t>
+              <a:t>2023-04-12</a:t>
             </a:fld>
             <a:endParaRPr lang="ko-KR" altLang="en-US" dirty="0">
               <a:solidFill>
@@ -11582,6 +11582,134 @@
           <p:cNvPr id="5" name="내용 개체 틀 4">
             <a:extLst>
               <a:ext uri="{FF2B5EF4-FFF2-40B4-BE49-F238E27FC236}">
+                <a16:creationId xmlns:a16="http://schemas.microsoft.com/office/drawing/2014/main" id="{2604AFEC-B33B-4E81-A8AA-6907908C7692}"/>
+              </a:ext>
+            </a:extLst>
+          </p:cNvPr>
+          <p:cNvPicPr>
+            <a:picLocks noGrp="1" noChangeAspect="1"/>
+          </p:cNvPicPr>
+          <p:nvPr>
+            <p:ph idx="1"/>
+          </p:nvPr>
+        </p:nvPicPr>
+        <p:blipFill rotWithShape="1">
+          <a:blip r:embed="rId3">
+            <a:extLst>
+              <a:ext uri="{28A0092B-C50C-407E-A947-70E740481C1C}">
+                <a14:useLocalDpi xmlns:a14="http://schemas.microsoft.com/office/drawing/2010/main" val="0"/>
+              </a:ext>
+            </a:extLst>
+          </a:blip>
+          <a:srcRect t="13782" r="42681" b="65585"/>
+          <a:stretch/>
+        </p:blipFill>
+        <p:spPr>
+          <a:xfrm>
+            <a:off x="990600" y="2286000"/>
+            <a:ext cx="10515600" cy="940598"/>
+          </a:xfrm>
+        </p:spPr>
+      </p:pic>
+      <p:sp>
+        <p:nvSpPr>
+          <p:cNvPr id="3" name="제목 2">
+            <a:extLst>
+              <a:ext uri="{FF2B5EF4-FFF2-40B4-BE49-F238E27FC236}">
+                <a16:creationId xmlns:a16="http://schemas.microsoft.com/office/drawing/2014/main" id="{F3B77025-01E4-4822-A8EE-D06296CA6581}"/>
+              </a:ext>
+            </a:extLst>
+          </p:cNvPr>
+          <p:cNvSpPr>
+            <a:spLocks noGrp="1"/>
+          </p:cNvSpPr>
+          <p:nvPr>
+            <p:ph type="title"/>
+          </p:nvPr>
+        </p:nvSpPr>
+        <p:spPr/>
+        <p:txBody>
+          <a:bodyPr/>
+          <a:lstStyle/>
+          <a:p>
+            <a:r>
+              <a:rPr lang="en-US" altLang="ko-KR" dirty="0"/>
+              <a:t>Gantt chart</a:t>
+            </a:r>
+            <a:endParaRPr lang="ko-KR" altLang="en-US" dirty="0"/>
+          </a:p>
+        </p:txBody>
+      </p:sp>
+      <p:pic>
+        <p:nvPicPr>
+          <p:cNvPr id="6" name="내용 개체 틀 4">
+            <a:extLst>
+              <a:ext uri="{FF2B5EF4-FFF2-40B4-BE49-F238E27FC236}">
+                <a16:creationId xmlns:a16="http://schemas.microsoft.com/office/drawing/2014/main" id="{0AFA3A5B-9ACC-473B-AB01-FD9F0417E23B}"/>
+              </a:ext>
+            </a:extLst>
+          </p:cNvPr>
+          <p:cNvPicPr>
+            <a:picLocks noChangeAspect="1"/>
+          </p:cNvPicPr>
+          <p:nvPr/>
+        </p:nvPicPr>
+        <p:blipFill rotWithShape="1">
+          <a:blip r:embed="rId3">
+            <a:extLst>
+              <a:ext uri="{28A0092B-C50C-407E-A947-70E740481C1C}">
+                <a14:useLocalDpi xmlns:a14="http://schemas.microsoft.com/office/drawing/2010/main" val="0"/>
+              </a:ext>
+            </a:extLst>
+          </a:blip>
+          <a:srcRect t="49271"/>
+          <a:stretch/>
+        </p:blipFill>
+        <p:spPr>
+          <a:xfrm>
+            <a:off x="990600" y="3226597"/>
+            <a:ext cx="10515600" cy="1325563"/>
+          </a:xfrm>
+          <a:prstGeom prst="rect">
+            <a:avLst/>
+          </a:prstGeom>
+        </p:spPr>
+      </p:pic>
+    </p:spTree>
+    <p:extLst>
+      <p:ext uri="{BB962C8B-B14F-4D97-AF65-F5344CB8AC3E}">
+        <p14:creationId xmlns:p14="http://schemas.microsoft.com/office/powerpoint/2010/main" val="3181663010"/>
+      </p:ext>
+    </p:extLst>
+  </p:cSld>
+  <p:clrMapOvr>
+    <a:masterClrMapping/>
+  </p:clrMapOvr>
+</p:sld>
+</file>
+
+<file path=ppt/slides/slide9.xml><?xml version="1.0" encoding="utf-8"?>
+<p:sld xmlns:a="http://schemas.openxmlformats.org/drawingml/2006/main" xmlns:r="http://schemas.openxmlformats.org/officeDocument/2006/relationships" xmlns:p="http://schemas.openxmlformats.org/presentationml/2006/main">
+  <p:cSld>
+    <p:spTree>
+      <p:nvGrpSpPr>
+        <p:cNvPr id="1" name=""/>
+        <p:cNvGrpSpPr/>
+        <p:nvPr/>
+      </p:nvGrpSpPr>
+      <p:grpSpPr>
+        <a:xfrm>
+          <a:off x="0" y="0"/>
+          <a:ext cx="0" cy="0"/>
+          <a:chOff x="0" y="0"/>
+          <a:chExt cx="0" cy="0"/>
+        </a:xfrm>
+      </p:grpSpPr>
+      <p:pic>
+        <p:nvPicPr>
+          <p:cNvPr id="5" name="내용 개체 틀 4">
+            <a:extLst>
+              <a:ext uri="{FF2B5EF4-FFF2-40B4-BE49-F238E27FC236}">
                 <a16:creationId xmlns:a16="http://schemas.microsoft.com/office/drawing/2014/main" id="{533B0518-37E5-456D-8E5F-49D2A2671BE9}"/>
               </a:ext>
             </a:extLst>
@@ -11644,134 +11772,6 @@
     <p:extLst>
       <p:ext uri="{BB962C8B-B14F-4D97-AF65-F5344CB8AC3E}">
         <p14:creationId xmlns:p14="http://schemas.microsoft.com/office/powerpoint/2010/main" val="4066319263"/>
-      </p:ext>
-    </p:extLst>
-  </p:cSld>
-  <p:clrMapOvr>
-    <a:masterClrMapping/>
-  </p:clrMapOvr>
-</p:sld>
-</file>
-
-<file path=ppt/slides/slide9.xml><?xml version="1.0" encoding="utf-8"?>
-<p:sld xmlns:a="http://schemas.openxmlformats.org/drawingml/2006/main" xmlns:r="http://schemas.openxmlformats.org/officeDocument/2006/relationships" xmlns:p="http://schemas.openxmlformats.org/presentationml/2006/main">
-  <p:cSld>
-    <p:spTree>
-      <p:nvGrpSpPr>
-        <p:cNvPr id="1" name=""/>
-        <p:cNvGrpSpPr/>
-        <p:nvPr/>
-      </p:nvGrpSpPr>
-      <p:grpSpPr>
-        <a:xfrm>
-          <a:off x="0" y="0"/>
-          <a:ext cx="0" cy="0"/>
-          <a:chOff x="0" y="0"/>
-          <a:chExt cx="0" cy="0"/>
-        </a:xfrm>
-      </p:grpSpPr>
-      <p:pic>
-        <p:nvPicPr>
-          <p:cNvPr id="5" name="내용 개체 틀 4">
-            <a:extLst>
-              <a:ext uri="{FF2B5EF4-FFF2-40B4-BE49-F238E27FC236}">
-                <a16:creationId xmlns:a16="http://schemas.microsoft.com/office/drawing/2014/main" id="{2604AFEC-B33B-4E81-A8AA-6907908C7692}"/>
-              </a:ext>
-            </a:extLst>
-          </p:cNvPr>
-          <p:cNvPicPr>
-            <a:picLocks noGrp="1" noChangeAspect="1"/>
-          </p:cNvPicPr>
-          <p:nvPr>
-            <p:ph idx="1"/>
-          </p:nvPr>
-        </p:nvPicPr>
-        <p:blipFill rotWithShape="1">
-          <a:blip r:embed="rId3">
-            <a:extLst>
-              <a:ext uri="{28A0092B-C50C-407E-A947-70E740481C1C}">
-                <a14:useLocalDpi xmlns:a14="http://schemas.microsoft.com/office/drawing/2010/main" val="0"/>
-              </a:ext>
-            </a:extLst>
-          </a:blip>
-          <a:srcRect t="13782" r="42681" b="65585"/>
-          <a:stretch/>
-        </p:blipFill>
-        <p:spPr>
-          <a:xfrm>
-            <a:off x="990600" y="2286000"/>
-            <a:ext cx="10515600" cy="940598"/>
-          </a:xfrm>
-        </p:spPr>
-      </p:pic>
-      <p:sp>
-        <p:nvSpPr>
-          <p:cNvPr id="3" name="제목 2">
-            <a:extLst>
-              <a:ext uri="{FF2B5EF4-FFF2-40B4-BE49-F238E27FC236}">
-                <a16:creationId xmlns:a16="http://schemas.microsoft.com/office/drawing/2014/main" id="{F3B77025-01E4-4822-A8EE-D06296CA6581}"/>
-              </a:ext>
-            </a:extLst>
-          </p:cNvPr>
-          <p:cNvSpPr>
-            <a:spLocks noGrp="1"/>
-          </p:cNvSpPr>
-          <p:nvPr>
-            <p:ph type="title"/>
-          </p:nvPr>
-        </p:nvSpPr>
-        <p:spPr/>
-        <p:txBody>
-          <a:bodyPr/>
-          <a:lstStyle/>
-          <a:p>
-            <a:r>
-              <a:rPr lang="en-US" altLang="ko-KR" dirty="0"/>
-              <a:t>Gantt chart</a:t>
-            </a:r>
-            <a:endParaRPr lang="ko-KR" altLang="en-US" dirty="0"/>
-          </a:p>
-        </p:txBody>
-      </p:sp>
-      <p:pic>
-        <p:nvPicPr>
-          <p:cNvPr id="6" name="내용 개체 틀 4">
-            <a:extLst>
-              <a:ext uri="{FF2B5EF4-FFF2-40B4-BE49-F238E27FC236}">
-                <a16:creationId xmlns:a16="http://schemas.microsoft.com/office/drawing/2014/main" id="{0AFA3A5B-9ACC-473B-AB01-FD9F0417E23B}"/>
-              </a:ext>
-            </a:extLst>
-          </p:cNvPr>
-          <p:cNvPicPr>
-            <a:picLocks noChangeAspect="1"/>
-          </p:cNvPicPr>
-          <p:nvPr/>
-        </p:nvPicPr>
-        <p:blipFill rotWithShape="1">
-          <a:blip r:embed="rId3">
-            <a:extLst>
-              <a:ext uri="{28A0092B-C50C-407E-A947-70E740481C1C}">
-                <a14:useLocalDpi xmlns:a14="http://schemas.microsoft.com/office/drawing/2010/main" val="0"/>
-              </a:ext>
-            </a:extLst>
-          </a:blip>
-          <a:srcRect t="49271"/>
-          <a:stretch/>
-        </p:blipFill>
-        <p:spPr>
-          <a:xfrm>
-            <a:off x="990600" y="3226597"/>
-            <a:ext cx="10515600" cy="1325563"/>
-          </a:xfrm>
-          <a:prstGeom prst="rect">
-            <a:avLst/>
-          </a:prstGeom>
-        </p:spPr>
-      </p:pic>
-    </p:spTree>
-    <p:extLst>
-      <p:ext uri="{BB962C8B-B14F-4D97-AF65-F5344CB8AC3E}">
-        <p14:creationId xmlns:p14="http://schemas.microsoft.com/office/powerpoint/2010/main" val="3181663010"/>
       </p:ext>
     </p:extLst>
   </p:cSld>

--- a/IoT_PPT.pptx
+++ b/IoT_PPT.pptx
@@ -10151,8 +10151,8 @@
         </p:nvSpPr>
         <p:spPr>
           <a:xfrm>
-            <a:off x="9092331" y="4856913"/>
-            <a:ext cx="2576346" cy="1569660"/>
+            <a:off x="6094875" y="4758978"/>
+            <a:ext cx="5625258" cy="1569660"/>
           </a:xfrm>
           <a:prstGeom prst="rect">
             <a:avLst/>
@@ -10165,9 +10165,9 @@
           </a:bodyPr>
           <a:lstStyle/>
           <a:p>
-            <a:pPr algn="ctr"/>
-            <a:r>
-              <a:rPr lang="en-US" altLang="ko-KR" sz="2400" b="0" cap="none" spc="0" dirty="0">
+            <a:pPr algn="r"/>
+            <a:r>
+              <a:rPr lang="ko-KR" altLang="en-US" sz="1700" b="0" cap="none" spc="0" dirty="0">
                 <a:ln w="0"/>
                 <a:solidFill>
                   <a:schemeClr val="tx1"/>
@@ -10180,14 +10180,56 @@
                   </a:outerShdw>
                 </a:effectLst>
               </a:rPr>
-              <a:t>21912058 </a:t>
-            </a:r>
-            <a:r>
-              <a:rPr lang="ko-KR" altLang="en-US" sz="2400" b="0" cap="none" spc="0" dirty="0">
+              <a:t>발표 및 제작총괄 </a:t>
+            </a:r>
+            <a:r>
+              <a:rPr lang="en-US" altLang="ko-KR" sz="1700" b="0" cap="none" spc="0" dirty="0">
                 <a:ln w="0"/>
                 <a:solidFill>
                   <a:schemeClr val="tx1"/>
                 </a:solidFill>
+                <a:effectLst>
+                  <a:outerShdw blurRad="38100" dist="19050" dir="2700000" algn="tl" rotWithShape="0">
+                    <a:schemeClr val="dk1">
+                      <a:alpha val="40000"/>
+                    </a:schemeClr>
+                  </a:outerShdw>
+                </a:effectLst>
+              </a:rPr>
+              <a:t>-</a:t>
+            </a:r>
+            <a:r>
+              <a:rPr lang="en-US" altLang="ko-KR" b="0" cap="none" spc="0" dirty="0">
+                <a:ln w="0"/>
+                <a:solidFill>
+                  <a:schemeClr val="tx1"/>
+                </a:solidFill>
+                <a:effectLst>
+                  <a:outerShdw blurRad="38100" dist="19050" dir="2700000" algn="tl" rotWithShape="0">
+                    <a:schemeClr val="dk1">
+                      <a:alpha val="40000"/>
+                    </a:schemeClr>
+                  </a:outerShdw>
+                </a:effectLst>
+              </a:rPr>
+              <a:t> </a:t>
+            </a:r>
+            <a:r>
+              <a:rPr lang="en-US" altLang="ko-KR" sz="2400" dirty="0">
+                <a:ln w="0"/>
+                <a:effectLst>
+                  <a:outerShdw blurRad="38100" dist="19050" dir="2700000" algn="tl" rotWithShape="0">
+                    <a:schemeClr val="dk1">
+                      <a:alpha val="40000"/>
+                    </a:schemeClr>
+                  </a:outerShdw>
+                </a:effectLst>
+              </a:rPr>
+              <a:t>21912058 </a:t>
+            </a:r>
+            <a:r>
+              <a:rPr lang="ko-KR" altLang="en-US" sz="2400" dirty="0">
+                <a:ln w="0"/>
                 <a:effectLst>
                   <a:outerShdw blurRad="38100" dist="19050" dir="2700000" algn="tl" rotWithShape="0">
                     <a:schemeClr val="dk1">
@@ -10213,7 +10255,59 @@
             </a:endParaRPr>
           </a:p>
           <a:p>
-            <a:pPr algn="ctr"/>
+            <a:pPr algn="r"/>
+            <a:r>
+              <a:rPr lang="en-US" altLang="ko-KR" sz="1700" dirty="0">
+                <a:ln w="0"/>
+                <a:effectLst>
+                  <a:outerShdw blurRad="38100" dist="19050" dir="2700000" algn="tl" rotWithShape="0">
+                    <a:schemeClr val="dk1">
+                      <a:alpha val="40000"/>
+                    </a:schemeClr>
+                  </a:outerShdw>
+                </a:effectLst>
+              </a:rPr>
+              <a:t>PPT</a:t>
+            </a:r>
+            <a:r>
+              <a:rPr lang="ko-KR" altLang="en-US" sz="1700" dirty="0">
+                <a:ln w="0"/>
+                <a:effectLst>
+                  <a:outerShdw blurRad="38100" dist="19050" dir="2700000" algn="tl" rotWithShape="0">
+                    <a:schemeClr val="dk1">
+                      <a:alpha val="40000"/>
+                    </a:schemeClr>
+                  </a:outerShdw>
+                </a:effectLst>
+              </a:rPr>
+              <a:t>작성 및 파이 개발 참여 </a:t>
+            </a:r>
+            <a:r>
+              <a:rPr lang="en-US" altLang="ko-KR" sz="1700" dirty="0">
+                <a:ln w="0"/>
+                <a:effectLst>
+                  <a:outerShdw blurRad="38100" dist="19050" dir="2700000" algn="tl" rotWithShape="0">
+                    <a:schemeClr val="dk1">
+                      <a:alpha val="40000"/>
+                    </a:schemeClr>
+                  </a:outerShdw>
+                </a:effectLst>
+              </a:rPr>
+              <a:t>-</a:t>
+            </a:r>
+            <a:r>
+              <a:rPr lang="en-US" altLang="ko-KR" dirty="0">
+                <a:ln w="0"/>
+                <a:effectLst>
+                  <a:outerShdw blurRad="38100" dist="19050" dir="2700000" algn="tl" rotWithShape="0">
+                    <a:schemeClr val="dk1">
+                      <a:alpha val="40000"/>
+                    </a:schemeClr>
+                  </a:outerShdw>
+                </a:effectLst>
+              </a:rPr>
+              <a:t> </a:t>
+            </a:r>
             <a:r>
               <a:rPr lang="en-US" altLang="ko-KR" sz="2400" dirty="0">
                 <a:ln w="0"/>
@@ -10252,13 +10346,10 @@
             </a:endParaRPr>
           </a:p>
           <a:p>
-            <a:pPr algn="ctr"/>
-            <a:r>
-              <a:rPr lang="en-US" altLang="ko-KR" sz="2400" b="0" cap="none" spc="0" dirty="0">
+            <a:pPr algn="r"/>
+            <a:r>
+              <a:rPr lang="ko-KR" altLang="en-US" sz="1700" dirty="0">
                 <a:ln w="0"/>
-                <a:solidFill>
-                  <a:schemeClr val="tx1"/>
-                </a:solidFill>
                 <a:effectLst>
                   <a:outerShdw blurRad="38100" dist="19050" dir="2700000" algn="tl" rotWithShape="0">
                     <a:schemeClr val="dk1">
@@ -10267,7 +10358,20 @@
                   </a:outerShdw>
                 </a:effectLst>
               </a:rPr>
-              <a:t>2</a:t>
+              <a:t>보고서 작성 </a:t>
+            </a:r>
+            <a:r>
+              <a:rPr lang="en-US" altLang="ko-KR" sz="1700" dirty="0">
+                <a:ln w="0"/>
+                <a:effectLst>
+                  <a:outerShdw blurRad="38100" dist="19050" dir="2700000" algn="tl" rotWithShape="0">
+                    <a:schemeClr val="dk1">
+                      <a:alpha val="40000"/>
+                    </a:schemeClr>
+                  </a:outerShdw>
+                </a:effectLst>
+              </a:rPr>
+              <a:t>- </a:t>
             </a:r>
             <a:r>
               <a:rPr lang="en-US" altLang="ko-KR" sz="2400" dirty="0">
@@ -10280,7 +10384,7 @@
                   </a:outerShdw>
                 </a:effectLst>
               </a:rPr>
-              <a:t>2112030 </a:t>
+              <a:t>22112030 </a:t>
             </a:r>
             <a:r>
               <a:rPr lang="ko-KR" altLang="en-US" sz="2400" dirty="0">
@@ -10307,13 +10411,49 @@
             </a:endParaRPr>
           </a:p>
           <a:p>
-            <a:pPr algn="ctr"/>
-            <a:r>
-              <a:rPr lang="en-US" altLang="ko-KR" sz="2400" b="0" cap="none" spc="0" dirty="0">
+            <a:pPr algn="r"/>
+            <a:r>
+              <a:rPr lang="ko-KR" altLang="en-US" sz="1700" dirty="0">
                 <a:ln w="0"/>
-                <a:solidFill>
-                  <a:schemeClr val="tx1"/>
-                </a:solidFill>
+                <a:effectLst>
+                  <a:outerShdw blurRad="38100" dist="19050" dir="2700000" algn="tl" rotWithShape="0">
+                    <a:schemeClr val="dk1">
+                      <a:alpha val="40000"/>
+                    </a:schemeClr>
+                  </a:outerShdw>
+                </a:effectLst>
+              </a:rPr>
+              <a:t>날씨 수신 서버 제작 </a:t>
+            </a:r>
+            <a:r>
+              <a:rPr lang="en-US" altLang="ko-KR" sz="1700" dirty="0">
+                <a:ln w="0"/>
+                <a:effectLst>
+                  <a:outerShdw blurRad="38100" dist="19050" dir="2700000" algn="tl" rotWithShape="0">
+                    <a:schemeClr val="dk1">
+                      <a:alpha val="40000"/>
+                    </a:schemeClr>
+                  </a:outerShdw>
+                </a:effectLst>
+              </a:rPr>
+              <a:t>-</a:t>
+            </a:r>
+            <a:r>
+              <a:rPr lang="en-US" altLang="ko-KR" dirty="0">
+                <a:ln w="0"/>
+                <a:effectLst>
+                  <a:outerShdw blurRad="38100" dist="19050" dir="2700000" algn="tl" rotWithShape="0">
+                    <a:schemeClr val="dk1">
+                      <a:alpha val="40000"/>
+                    </a:schemeClr>
+                  </a:outerShdw>
+                </a:effectLst>
+              </a:rPr>
+              <a:t> </a:t>
+            </a:r>
+            <a:r>
+              <a:rPr lang="en-US" altLang="ko-KR" sz="2400" dirty="0">
+                <a:ln w="0"/>
                 <a:effectLst>
                   <a:outerShdw blurRad="38100" dist="19050" dir="2700000" algn="tl" rotWithShape="0">
                     <a:schemeClr val="dk1">
@@ -10325,11 +10465,8 @@
               <a:t>22112122 </a:t>
             </a:r>
             <a:r>
-              <a:rPr lang="ko-KR" altLang="en-US" sz="2400" b="0" cap="none" spc="0" dirty="0" err="1">
+              <a:rPr lang="ko-KR" altLang="en-US" sz="2400" dirty="0" err="1">
                 <a:ln w="0"/>
-                <a:solidFill>
-                  <a:schemeClr val="tx1"/>
-                </a:solidFill>
                 <a:effectLst>
                   <a:outerShdw blurRad="38100" dist="19050" dir="2700000" algn="tl" rotWithShape="0">
                     <a:schemeClr val="dk1">

--- a/IoT_PPT.pptx
+++ b/IoT_PPT.pptx
@@ -10682,18 +10682,22 @@
               <a:buNone/>
             </a:pPr>
             <a:r>
-              <a:rPr lang="ko-KR" altLang="en-US" sz="2400" dirty="0"/>
-              <a:t>초기 디자인</a:t>
-            </a:r>
-            <a:endParaRPr lang="en-US" altLang="ko-KR" sz="2400" dirty="0"/>
+              <a:rPr lang="ko-KR" altLang="en-US" sz="2400" dirty="0" err="1"/>
+              <a:t>구상안</a:t>
+            </a:r>
+            <a:endParaRPr lang="en-US" altLang="ko-KR" sz="2400"/>
           </a:p>
           <a:p>
             <a:pPr marL="0" indent="0">
               <a:buNone/>
             </a:pPr>
             <a:r>
+              <a:rPr lang="en-US" altLang="ko-KR" sz="2400"/>
+              <a:t>Gantt </a:t>
+            </a:r>
+            <a:r>
               <a:rPr lang="en-US" altLang="ko-KR" sz="2400" dirty="0"/>
-              <a:t>Gantt chart</a:t>
+              <a:t>chart</a:t>
             </a:r>
             <a:endParaRPr lang="en-US" altLang="ko-KR" dirty="0"/>
           </a:p>
@@ -11899,9 +11903,10 @@
           <a:lstStyle/>
           <a:p>
             <a:r>
-              <a:rPr lang="ko-KR" altLang="en-US" dirty="0"/>
-              <a:t>초기 디자인</a:t>
-            </a:r>
+              <a:rPr lang="ko-KR" altLang="en-US" dirty="0" err="1"/>
+              <a:t>구상안</a:t>
+            </a:r>
+            <a:endParaRPr lang="ko-KR" altLang="en-US" dirty="0"/>
           </a:p>
         </p:txBody>
       </p:sp>
